--- a/documentation/midterm/midterm.pptx
+++ b/documentation/midterm/midterm.pptx
@@ -73,7 +73,7 @@
         <p:txBody>
           <a:bodyPr/>
           <a:p>
-            <a:fld id="{153ECCCB-437C-40A6-8B4A-D433F170B372}" type="slidenum">
+            <a:fld id="{381F416E-9223-473A-8502-AE4DA0F08FFE}" type="slidenum">
               <a:t>&lt;#&gt;</a:t>
             </a:fld>
           </a:p>
@@ -261,7 +261,7 @@
         <p:txBody>
           <a:bodyPr/>
           <a:p>
-            <a:fld id="{BDF4F1A0-902B-4C59-829C-708AF2B7BF77}" type="slidenum">
+            <a:fld id="{6E9DB79A-66A9-40AE-938D-F09847782035}" type="slidenum">
               <a:t>&lt;#&gt;</a:t>
             </a:fld>
           </a:p>
@@ -535,7 +535,7 @@
         <p:txBody>
           <a:bodyPr/>
           <a:p>
-            <a:fld id="{12012EDE-E7B1-4A56-B651-330536B1B98E}" type="slidenum">
+            <a:fld id="{A545AE98-1ADD-477C-AD6B-101978D14717}" type="slidenum">
               <a:t>&lt;#&gt;</a:t>
             </a:fld>
           </a:p>
@@ -895,7 +895,7 @@
         <p:txBody>
           <a:bodyPr/>
           <a:p>
-            <a:fld id="{CAB55A3B-6A80-4580-867A-D6D362777CA0}" type="slidenum">
+            <a:fld id="{3A8D3330-B712-4DC1-9E9D-DF5F850C9E86}" type="slidenum">
               <a:t>&lt;#&gt;</a:t>
             </a:fld>
           </a:p>
@@ -957,7 +957,7 @@
         <p:txBody>
           <a:bodyPr/>
           <a:p>
-            <a:fld id="{CD5737AA-E81F-401D-96C0-AD74D54E4FEF}" type="slidenum">
+            <a:fld id="{594B39A3-E160-44D9-BE37-3F56912CE58F}" type="slidenum">
               <a:t>&lt;#&gt;</a:t>
             </a:fld>
           </a:p>
@@ -1120,7 +1120,7 @@
         <p:txBody>
           <a:bodyPr/>
           <a:p>
-            <a:fld id="{9DE0AAA1-1256-4AFE-83D3-1D0B2F82B47D}" type="slidenum">
+            <a:fld id="{7684660B-EF51-48CD-9447-9E47B5AB3B2F}" type="slidenum">
               <a:t>&lt;#&gt;</a:t>
             </a:fld>
           </a:p>
@@ -1286,7 +1286,7 @@
         <p:txBody>
           <a:bodyPr/>
           <a:p>
-            <a:fld id="{F70470CC-93EF-41D6-827B-7D6A19A927B4}" type="slidenum">
+            <a:fld id="{ECFD9A62-7B1D-4805-AD73-E82F08A3C0A6}" type="slidenum">
               <a:t>&lt;#&gt;</a:t>
             </a:fld>
           </a:p>
@@ -1495,7 +1495,7 @@
         <p:txBody>
           <a:bodyPr/>
           <a:p>
-            <a:fld id="{2A5FBDD9-13A4-4362-AA4D-DCE21CE1346C}" type="slidenum">
+            <a:fld id="{BC3913F5-41B2-4E84-AF67-3F77C78F4247}" type="slidenum">
               <a:t>&lt;#&gt;</a:t>
             </a:fld>
           </a:p>
@@ -1618,7 +1618,7 @@
         <p:txBody>
           <a:bodyPr/>
           <a:p>
-            <a:fld id="{E9505D49-F9FA-4148-9AAF-91A9E9120B4F}" type="slidenum">
+            <a:fld id="{E06D8312-6437-49AD-9908-2286BE64547C}" type="slidenum">
               <a:t>&lt;#&gt;</a:t>
             </a:fld>
           </a:p>
@@ -1739,7 +1739,7 @@
         <p:txBody>
           <a:bodyPr/>
           <a:p>
-            <a:fld id="{B201BBDE-5509-44F6-9F95-58EA16C41B8D}" type="slidenum">
+            <a:fld id="{A1D86BA1-197F-49FC-B8BA-178253AEAEBB}" type="slidenum">
               <a:t>&lt;#&gt;</a:t>
             </a:fld>
           </a:p>
@@ -1991,7 +1991,7 @@
         <p:txBody>
           <a:bodyPr/>
           <a:p>
-            <a:fld id="{1F9ABFAB-506B-48D9-8E19-499B8AA86618}" type="slidenum">
+            <a:fld id="{9FC313B2-5C80-4C9E-BF1B-04855ADF5E02}" type="slidenum">
               <a:t>&lt;#&gt;</a:t>
             </a:fld>
           </a:p>
@@ -2154,7 +2154,7 @@
         <p:txBody>
           <a:bodyPr/>
           <a:p>
-            <a:fld id="{8319027F-5030-424A-A18E-911429BA4671}" type="slidenum">
+            <a:fld id="{CAC6C994-033A-45F5-BB6B-949C3BBCE37D}" type="slidenum">
               <a:t>&lt;#&gt;</a:t>
             </a:fld>
           </a:p>
@@ -2385,7 +2385,7 @@
         <p:txBody>
           <a:bodyPr/>
           <a:p>
-            <a:fld id="{DA40958D-1E37-4EC6-A811-AFA2C7C68904}" type="slidenum">
+            <a:fld id="{774A0CEE-3B29-4470-8718-1585E33CEE7B}" type="slidenum">
               <a:t>&lt;#&gt;</a:t>
             </a:fld>
           </a:p>
@@ -2637,7 +2637,7 @@
         <p:txBody>
           <a:bodyPr/>
           <a:p>
-            <a:fld id="{E11C5F38-4D4F-42B0-A93F-A4EA6C145261}" type="slidenum">
+            <a:fld id="{F9AF920E-2867-42E8-91B3-2F4558E6EEC5}" type="slidenum">
               <a:t>&lt;#&gt;</a:t>
             </a:fld>
           </a:p>
@@ -2846,7 +2846,7 @@
         <p:txBody>
           <a:bodyPr/>
           <a:p>
-            <a:fld id="{68EF5626-DF8E-4D69-8717-F304A54ECA84}" type="slidenum">
+            <a:fld id="{132556EE-C22B-40F8-A618-D22E479CCE72}" type="slidenum">
               <a:t>&lt;#&gt;</a:t>
             </a:fld>
           </a:p>
@@ -3141,7 +3141,7 @@
         <p:txBody>
           <a:bodyPr/>
           <a:p>
-            <a:fld id="{3775A0F6-A75A-4D8C-B84C-2BAF5A5468AB}" type="slidenum">
+            <a:fld id="{5C487E34-8294-4348-9B6B-B0F2A4366ADB}" type="slidenum">
               <a:t>&lt;#&gt;</a:t>
             </a:fld>
           </a:p>
@@ -3522,7 +3522,7 @@
         <p:txBody>
           <a:bodyPr/>
           <a:p>
-            <a:fld id="{24B981B1-787A-4660-9142-294C830A4A92}" type="slidenum">
+            <a:fld id="{4734A7E7-FBEA-4751-AF76-852090494E8D}" type="slidenum">
               <a:t>&lt;#&gt;</a:t>
             </a:fld>
           </a:p>
@@ -3605,7 +3605,7 @@
         <p:txBody>
           <a:bodyPr/>
           <a:p>
-            <a:fld id="{F8B768E2-F479-4916-B621-40547A2FE49B}" type="slidenum">
+            <a:fld id="{B1C18F41-45A5-4886-AA50-ACBBB2A07294}" type="slidenum">
               <a:t>&lt;#&gt;</a:t>
             </a:fld>
           </a:p>
@@ -3768,7 +3768,7 @@
         <p:txBody>
           <a:bodyPr/>
           <a:p>
-            <a:fld id="{D86D204D-2059-43D7-A775-4FD32983CBF4}" type="slidenum">
+            <a:fld id="{4FAE5A0C-15C0-4520-91E2-D279B2675C94}" type="slidenum">
               <a:t>&lt;#&gt;</a:t>
             </a:fld>
           </a:p>
@@ -3934,7 +3934,7 @@
         <p:txBody>
           <a:bodyPr/>
           <a:p>
-            <a:fld id="{23D563CE-7AFC-48D9-9A7D-4EF0395488AD}" type="slidenum">
+            <a:fld id="{C32A34E1-7834-46BE-A21F-674A5DDFD4D0}" type="slidenum">
               <a:t>&lt;#&gt;</a:t>
             </a:fld>
           </a:p>
@@ -4143,7 +4143,7 @@
         <p:txBody>
           <a:bodyPr/>
           <a:p>
-            <a:fld id="{3C4A022F-3461-42BD-9375-7F8E4A78B7AF}" type="slidenum">
+            <a:fld id="{37797E68-4A9D-4EAE-A40A-E9C2354B30FC}" type="slidenum">
               <a:t>&lt;#&gt;</a:t>
             </a:fld>
           </a:p>
@@ -4266,7 +4266,7 @@
         <p:txBody>
           <a:bodyPr/>
           <a:p>
-            <a:fld id="{167FC43C-79BF-4C45-8A8F-90463A7DD93A}" type="slidenum">
+            <a:fld id="{D721DBB4-56FF-4133-9A80-CF6234A03DF8}" type="slidenum">
               <a:t>&lt;#&gt;</a:t>
             </a:fld>
           </a:p>
@@ -4432,7 +4432,7 @@
         <p:txBody>
           <a:bodyPr/>
           <a:p>
-            <a:fld id="{E6251CB4-4368-4084-8190-5DCC1BF09141}" type="slidenum">
+            <a:fld id="{15154E3D-3CB0-4E2B-99E4-E4616CF0AAFB}" type="slidenum">
               <a:t>&lt;#&gt;</a:t>
             </a:fld>
           </a:p>
@@ -4532,7 +4532,7 @@
         <p:txBody>
           <a:bodyPr/>
           <a:p>
-            <a:fld id="{5663F61F-63FE-4C6A-9222-AEF13BB9944C}" type="slidenum">
+            <a:fld id="{61C0238E-099F-48F4-AF51-0D1B80923CE4}" type="slidenum">
               <a:t>&lt;#&gt;</a:t>
             </a:fld>
           </a:p>
@@ -4784,7 +4784,7 @@
         <p:txBody>
           <a:bodyPr/>
           <a:p>
-            <a:fld id="{7F317245-E9CA-49F9-A03A-7505324773CB}" type="slidenum">
+            <a:fld id="{7BBB197F-502D-4FFB-8C7E-F655966C0399}" type="slidenum">
               <a:t>&lt;#&gt;</a:t>
             </a:fld>
           </a:p>
@@ -5036,7 +5036,7 @@
         <p:txBody>
           <a:bodyPr/>
           <a:p>
-            <a:fld id="{2268432F-3ED5-4DDA-916B-C8B57AC9E5BC}" type="slidenum">
+            <a:fld id="{82DE9812-EE3F-45BE-AD4A-876DB4D5BDFA}" type="slidenum">
               <a:t>&lt;#&gt;</a:t>
             </a:fld>
           </a:p>
@@ -5288,7 +5288,7 @@
         <p:txBody>
           <a:bodyPr/>
           <a:p>
-            <a:fld id="{551B2902-DB13-49F3-8583-E2E9952B1C6F}" type="slidenum">
+            <a:fld id="{BC1DD04D-F9A0-4EC6-B4F7-EB9598A0636D}" type="slidenum">
               <a:t>&lt;#&gt;</a:t>
             </a:fld>
           </a:p>
@@ -5497,7 +5497,7 @@
         <p:txBody>
           <a:bodyPr/>
           <a:p>
-            <a:fld id="{9AF8D522-A63A-4005-BFAB-1F493F5B0455}" type="slidenum">
+            <a:fld id="{238E09EF-D184-4972-A9F1-78F3CB970ED3}" type="slidenum">
               <a:t>&lt;#&gt;</a:t>
             </a:fld>
           </a:p>
@@ -5792,7 +5792,7 @@
         <p:txBody>
           <a:bodyPr/>
           <a:p>
-            <a:fld id="{66BF23F8-862E-46E0-B786-18599A5F9C0C}" type="slidenum">
+            <a:fld id="{17242B69-0A9E-4E2E-9959-98BE212E9E15}" type="slidenum">
               <a:t>&lt;#&gt;</a:t>
             </a:fld>
           </a:p>
@@ -6173,7 +6173,7 @@
         <p:txBody>
           <a:bodyPr/>
           <a:p>
-            <a:fld id="{E4A1AD96-1A56-43A3-BD8A-946E5354D57B}" type="slidenum">
+            <a:fld id="{8E904EBC-04A5-48A7-B3C0-2582FC7B822D}" type="slidenum">
               <a:t>&lt;#&gt;</a:t>
             </a:fld>
           </a:p>
@@ -6256,7 +6256,7 @@
         <p:txBody>
           <a:bodyPr/>
           <a:p>
-            <a:fld id="{29B4A2EC-926A-41B3-9894-71D2BA497E2F}" type="slidenum">
+            <a:fld id="{D0B1D299-B4E6-4177-94BF-8C3C2081B309}" type="slidenum">
               <a:t>&lt;#&gt;</a:t>
             </a:fld>
           </a:p>
@@ -6398,7 +6398,7 @@
         <p:txBody>
           <a:bodyPr/>
           <a:p>
-            <a:fld id="{A0F76A3B-589C-400E-BC63-8E2F9A08FFF1}" type="slidenum">
+            <a:fld id="{32443991-1645-4116-A481-C10117920FF0}" type="slidenum">
               <a:t>&lt;#&gt;</a:t>
             </a:fld>
           </a:p>
@@ -6543,7 +6543,7 @@
         <p:txBody>
           <a:bodyPr/>
           <a:p>
-            <a:fld id="{377F01C9-CDB6-4F65-BAF8-8542788CC4FB}" type="slidenum">
+            <a:fld id="{DCCAAA9C-57BE-493A-908B-039048B892EE}" type="slidenum">
               <a:t>&lt;#&gt;</a:t>
             </a:fld>
           </a:p>
@@ -6731,7 +6731,7 @@
         <p:txBody>
           <a:bodyPr/>
           <a:p>
-            <a:fld id="{80F16349-6903-458A-8CFF-EB8651D04BF6}" type="slidenum">
+            <a:fld id="{165ABE4D-145D-43ED-80C6-4D62652DED4B}" type="slidenum">
               <a:t>&lt;#&gt;</a:t>
             </a:fld>
           </a:p>
@@ -6919,7 +6919,7 @@
         <p:txBody>
           <a:bodyPr/>
           <a:p>
-            <a:fld id="{5D708A9E-E4A2-4C47-8CFD-51D004CBBFD8}" type="slidenum">
+            <a:fld id="{4B68723E-D036-45F7-8390-037F23D01EEA}" type="slidenum">
               <a:t>&lt;#&gt;</a:t>
             </a:fld>
           </a:p>
@@ -7021,7 +7021,7 @@
         <p:txBody>
           <a:bodyPr/>
           <a:p>
-            <a:fld id="{E2B108E4-D8C5-4225-910F-BA6A3F3E6CEF}" type="slidenum">
+            <a:fld id="{689BD594-5670-41E1-840B-C1EAC7CD65E6}" type="slidenum">
               <a:t>&lt;#&gt;</a:t>
             </a:fld>
           </a:p>
@@ -7121,7 +7121,7 @@
         <p:txBody>
           <a:bodyPr/>
           <a:p>
-            <a:fld id="{1CF4C97B-6E10-43B3-A9E1-C9FF749780B1}" type="slidenum">
+            <a:fld id="{82AE6575-11BB-42A3-8340-076E2D776C44}" type="slidenum">
               <a:t>&lt;#&gt;</a:t>
             </a:fld>
           </a:p>
@@ -7352,7 +7352,7 @@
         <p:txBody>
           <a:bodyPr/>
           <a:p>
-            <a:fld id="{724FEC42-45A9-403B-AF9C-564DE76CF7FF}" type="slidenum">
+            <a:fld id="{CC9A979E-A476-478E-BCA6-B2126D59793E}" type="slidenum">
               <a:t>&lt;#&gt;</a:t>
             </a:fld>
           </a:p>
@@ -7583,7 +7583,7 @@
         <p:txBody>
           <a:bodyPr/>
           <a:p>
-            <a:fld id="{BA62AEB0-7AAF-4B19-A917-6C98934673AA}" type="slidenum">
+            <a:fld id="{B0606808-75F4-4466-9A11-71F618ACDAE6}" type="slidenum">
               <a:t>&lt;#&gt;</a:t>
             </a:fld>
           </a:p>
@@ -7814,7 +7814,7 @@
         <p:txBody>
           <a:bodyPr/>
           <a:p>
-            <a:fld id="{85402034-31E1-4B3D-B08B-D256B49CB4C4}" type="slidenum">
+            <a:fld id="{F3855162-7FA9-45A6-B989-D6D0521DDFF0}" type="slidenum">
               <a:t>&lt;#&gt;</a:t>
             </a:fld>
           </a:p>
@@ -8002,7 +8002,7 @@
         <p:txBody>
           <a:bodyPr/>
           <a:p>
-            <a:fld id="{A9758874-012A-4E92-85D8-5FF9A180398F}" type="slidenum">
+            <a:fld id="{41C04C87-3B49-468D-A8E9-F78276C0EA06}" type="slidenum">
               <a:t>&lt;#&gt;</a:t>
             </a:fld>
           </a:p>
@@ -8276,7 +8276,7 @@
         <p:txBody>
           <a:bodyPr/>
           <a:p>
-            <a:fld id="{91C12391-7572-4928-B4EF-F7B3D430A2FC}" type="slidenum">
+            <a:fld id="{6626F5AD-6522-42AF-9AF4-623DBC558B23}" type="slidenum">
               <a:t>&lt;#&gt;</a:t>
             </a:fld>
           </a:p>
@@ -8636,7 +8636,7 @@
         <p:txBody>
           <a:bodyPr/>
           <a:p>
-            <a:fld id="{589A53CD-3B25-4400-B47F-C28E36BD4971}" type="slidenum">
+            <a:fld id="{92E61820-297A-4FAF-9A9A-4E201A1A5FCE}" type="slidenum">
               <a:t>&lt;#&gt;</a:t>
             </a:fld>
           </a:p>
@@ -8738,7 +8738,7 @@
         <p:txBody>
           <a:bodyPr/>
           <a:p>
-            <a:fld id="{89967D18-A88A-4960-BC2E-F5B8794FEEBC}" type="slidenum">
+            <a:fld id="{B9E2272F-61B0-4BA2-B318-5B4724BB1760}" type="slidenum">
               <a:t>&lt;#&gt;</a:t>
             </a:fld>
           </a:p>
@@ -8838,7 +8838,7 @@
         <p:txBody>
           <a:bodyPr/>
           <a:p>
-            <a:fld id="{C6F8A67A-FD68-42AE-A887-E271FA438AB4}" type="slidenum">
+            <a:fld id="{C2B0F837-B030-45E1-802D-0CBC8A11D7E8}" type="slidenum">
               <a:t>&lt;#&gt;</a:t>
             </a:fld>
           </a:p>
@@ -9069,7 +9069,7 @@
         <p:txBody>
           <a:bodyPr/>
           <a:p>
-            <a:fld id="{4D42F5C7-D7E4-4A93-82C2-C7832B8110EE}" type="slidenum">
+            <a:fld id="{C6EC46A3-48EA-4C5F-A13D-018E9C8D933F}" type="slidenum">
               <a:t>&lt;#&gt;</a:t>
             </a:fld>
           </a:p>
@@ -9300,7 +9300,7 @@
         <p:txBody>
           <a:bodyPr/>
           <a:p>
-            <a:fld id="{0D249E31-5643-4EF9-ACFD-6D40B03964D9}" type="slidenum">
+            <a:fld id="{40EF03D6-F340-4CE3-BB09-01E37C95742C}" type="slidenum">
               <a:t>&lt;#&gt;</a:t>
             </a:fld>
           </a:p>
@@ -9531,7 +9531,7 @@
         <p:txBody>
           <a:bodyPr/>
           <a:p>
-            <a:fld id="{5F77759D-1B22-4B06-96A3-314369530E47}" type="slidenum">
+            <a:fld id="{600D2E46-E963-40FC-AEE7-C4C9C31E97CE}" type="slidenum">
               <a:t>&lt;#&gt;</a:t>
             </a:fld>
           </a:p>
@@ -9630,7 +9630,7 @@
                 </a:solidFill>
                 <a:latin typeface="Arial"/>
               </a:rPr>
-              <a:t>Titel der Präsentation </a:t>
+              <a:t>Titel der Präsentation durch </a:t>
             </a:r>
             <a:r>
               <a:rPr b="0" lang="de-DE" sz="3340" spc="-1" strike="noStrike">
@@ -9639,16 +9639,7 @@
                 </a:solidFill>
                 <a:latin typeface="Arial"/>
               </a:rPr>
-              <a:t>durch Klicken </a:t>
-            </a:r>
-            <a:r>
-              <a:rPr b="0" lang="de-DE" sz="3340" spc="-1" strike="noStrike">
-                <a:solidFill>
-                  <a:srgbClr val="000000"/>
-                </a:solidFill>
-                <a:latin typeface="Arial"/>
-              </a:rPr>
-              <a:t>bearbeiten</a:t>
+              <a:t>Klicken bearbeiten</a:t>
             </a:r>
             <a:endParaRPr b="0" lang="de-DE" sz="3340" spc="-1" strike="noStrike">
               <a:solidFill>
@@ -9820,7 +9811,7 @@
               </a:lnSpc>
               <a:buNone/>
             </a:pPr>
-            <a:fld id="{820814D4-E79A-4992-B136-C27852F2F9D3}" type="slidenum">
+            <a:fld id="{0506EB4A-388E-4A7F-BE3E-198C00CBD8B0}" type="slidenum">
               <a:rPr b="0" lang="en-US" sz="1470" spc="-1" strike="noStrike">
                 <a:solidFill>
                   <a:srgbClr val="000000"/>
@@ -10191,7 +10182,7 @@
               </a:lnSpc>
               <a:buNone/>
             </a:pPr>
-            <a:fld id="{10E7E298-9FFB-4F60-8D8C-64C246FD266C}" type="slidenum">
+            <a:fld id="{96BFA468-CFB9-46AE-A824-329746ECB71E}" type="slidenum">
               <a:rPr b="0" lang="en-US" sz="1470" spc="-1" strike="noStrike">
                 <a:solidFill>
                   <a:srgbClr val="000000"/>
@@ -10560,16 +10551,7 @@
                 </a:solidFill>
                 <a:latin typeface="Arial"/>
               </a:rPr>
-              <a:t>Click to edit Master title </a:t>
-            </a:r>
-            <a:r>
-              <a:rPr b="0" lang="en-US" sz="2930" spc="-1" strike="noStrike">
-                <a:solidFill>
-                  <a:srgbClr val="000000"/>
-                </a:solidFill>
-                <a:latin typeface="Arial"/>
-              </a:rPr>
-              <a:t>style</a:t>
+              <a:t>Click to edit Master title style</a:t>
             </a:r>
             <a:endParaRPr b="0" lang="de-DE" sz="2930" spc="-1" strike="noStrike">
               <a:solidFill>
@@ -10914,7 +10896,7 @@
               </a:lnSpc>
               <a:buNone/>
             </a:pPr>
-            <a:fld id="{9B4A5FF1-50E6-41C4-B1A9-B5C173D2BE5A}" type="slidenum">
+            <a:fld id="{7DBED07A-706A-4114-828C-FA8DBE39B820}" type="slidenum">
               <a:rPr b="0" lang="en-US" sz="1470" spc="-1" strike="noStrike">
                 <a:solidFill>
                   <a:srgbClr val="000000"/>
@@ -11205,7 +11187,7 @@
               </a:lnSpc>
               <a:buNone/>
             </a:pPr>
-            <a:fld id="{A6C707AF-BD6D-407D-A860-72960AADA637}" type="slidenum">
+            <a:fld id="{FC89A8FF-96F9-4A22-97B0-015C50B90EC3}" type="slidenum">
               <a:rPr b="0" lang="de-DE" sz="1470" spc="-1" strike="noStrike">
                 <a:solidFill>
                   <a:srgbClr val="000000"/>
@@ -14119,7 +14101,7 @@
         <p:txBody>
           <a:bodyPr/>
           <a:p>
-            <a:fld id="{6632F6A1-7405-4670-8074-CFDDB4139339}" type="slidenum">
+            <a:fld id="{2EE276E9-2292-45E9-BDD0-A8ADA804156C}" type="slidenum">
               <a:t>5</a:t>
             </a:fld>
           </a:p>
@@ -14284,7 +14266,7 @@
               </a:spcAft>
               <a:buNone/>
             </a:pPr>
-            <a:fld id="{CFAB1E74-5748-466F-BC6B-E155F4144147}" type="slidenum">
+            <a:fld id="{046E0A94-99E9-45AE-910B-2016D5B6271D}" type="slidenum">
               <a:rPr b="0" lang="de-DE" sz="1470" spc="-1" strike="noStrike">
                 <a:solidFill>
                   <a:srgbClr val="000000"/>
@@ -14473,7 +14455,7 @@
         <p:txBody>
           <a:bodyPr/>
           <a:p>
-            <a:fld id="{717CB1BE-EA44-48BD-8D58-1449B8C92EC0}" type="slidenum">
+            <a:fld id="{E6AB056C-3EFA-4DA6-92FC-EAAF880D8B4C}" type="slidenum">
               <a:t>7</a:t>
             </a:fld>
           </a:p>
@@ -14710,7 +14692,7 @@
         <p:txBody>
           <a:bodyPr/>
           <a:p>
-            <a:fld id="{624D55AB-7CDB-40DB-B8EA-62CBDA296DC6}" type="slidenum">
+            <a:fld id="{1AA4AB0F-2A20-4F8B-BC51-C144E1780D34}" type="slidenum">
               <a:t>8</a:t>
             </a:fld>
           </a:p>
